--- a/git_setup.pptx
+++ b/git_setup.pptx
@@ -11,6 +11,7 @@
     <p:sldId id="270" r:id="rId5"/>
     <p:sldId id="272" r:id="rId6"/>
     <p:sldId id="271" r:id="rId7"/>
+    <p:sldId id="273" r:id="rId8"/>
   </p:sldIdLst>
   <p:sldSz cx="12192000" cy="6858000"/>
   <p:notesSz cx="6858000" cy="9144000"/>
@@ -264,7 +265,7 @@
           <a:p>
             <a:fld id="{476836E3-9835-4617-AC4B-A957FA70F9E1}" type="datetimeFigureOut">
               <a:rPr lang="en-US" smtClean="0"/>
-              <a:t>9/1/2022</a:t>
+              <a:t>9/3/2022</a:t>
             </a:fld>
             <a:endParaRPr lang="en-US"/>
           </a:p>
@@ -462,7 +463,7 @@
           <a:p>
             <a:fld id="{476836E3-9835-4617-AC4B-A957FA70F9E1}" type="datetimeFigureOut">
               <a:rPr lang="en-US" smtClean="0"/>
-              <a:t>9/1/2022</a:t>
+              <a:t>9/3/2022</a:t>
             </a:fld>
             <a:endParaRPr lang="en-US"/>
           </a:p>
@@ -670,7 +671,7 @@
           <a:p>
             <a:fld id="{476836E3-9835-4617-AC4B-A957FA70F9E1}" type="datetimeFigureOut">
               <a:rPr lang="en-US" smtClean="0"/>
-              <a:t>9/1/2022</a:t>
+              <a:t>9/3/2022</a:t>
             </a:fld>
             <a:endParaRPr lang="en-US"/>
           </a:p>
@@ -868,7 +869,7 @@
           <a:p>
             <a:fld id="{476836E3-9835-4617-AC4B-A957FA70F9E1}" type="datetimeFigureOut">
               <a:rPr lang="en-US" smtClean="0"/>
-              <a:t>9/1/2022</a:t>
+              <a:t>9/3/2022</a:t>
             </a:fld>
             <a:endParaRPr lang="en-US"/>
           </a:p>
@@ -1143,7 +1144,7 @@
           <a:p>
             <a:fld id="{476836E3-9835-4617-AC4B-A957FA70F9E1}" type="datetimeFigureOut">
               <a:rPr lang="en-US" smtClean="0"/>
-              <a:t>9/1/2022</a:t>
+              <a:t>9/3/2022</a:t>
             </a:fld>
             <a:endParaRPr lang="en-US"/>
           </a:p>
@@ -1408,7 +1409,7 @@
           <a:p>
             <a:fld id="{476836E3-9835-4617-AC4B-A957FA70F9E1}" type="datetimeFigureOut">
               <a:rPr lang="en-US" smtClean="0"/>
-              <a:t>9/1/2022</a:t>
+              <a:t>9/3/2022</a:t>
             </a:fld>
             <a:endParaRPr lang="en-US"/>
           </a:p>
@@ -1820,7 +1821,7 @@
           <a:p>
             <a:fld id="{476836E3-9835-4617-AC4B-A957FA70F9E1}" type="datetimeFigureOut">
               <a:rPr lang="en-US" smtClean="0"/>
-              <a:t>9/1/2022</a:t>
+              <a:t>9/3/2022</a:t>
             </a:fld>
             <a:endParaRPr lang="en-US"/>
           </a:p>
@@ -1961,7 +1962,7 @@
           <a:p>
             <a:fld id="{476836E3-9835-4617-AC4B-A957FA70F9E1}" type="datetimeFigureOut">
               <a:rPr lang="en-US" smtClean="0"/>
-              <a:t>9/1/2022</a:t>
+              <a:t>9/3/2022</a:t>
             </a:fld>
             <a:endParaRPr lang="en-US"/>
           </a:p>
@@ -2074,7 +2075,7 @@
           <a:p>
             <a:fld id="{476836E3-9835-4617-AC4B-A957FA70F9E1}" type="datetimeFigureOut">
               <a:rPr lang="en-US" smtClean="0"/>
-              <a:t>9/1/2022</a:t>
+              <a:t>9/3/2022</a:t>
             </a:fld>
             <a:endParaRPr lang="en-US"/>
           </a:p>
@@ -2385,7 +2386,7 @@
           <a:p>
             <a:fld id="{476836E3-9835-4617-AC4B-A957FA70F9E1}" type="datetimeFigureOut">
               <a:rPr lang="en-US" smtClean="0"/>
-              <a:t>9/1/2022</a:t>
+              <a:t>9/3/2022</a:t>
             </a:fld>
             <a:endParaRPr lang="en-US"/>
           </a:p>
@@ -2673,7 +2674,7 @@
           <a:p>
             <a:fld id="{476836E3-9835-4617-AC4B-A957FA70F9E1}" type="datetimeFigureOut">
               <a:rPr lang="en-US" smtClean="0"/>
-              <a:t>9/1/2022</a:t>
+              <a:t>9/3/2022</a:t>
             </a:fld>
             <a:endParaRPr lang="en-US"/>
           </a:p>
@@ -2914,7 +2915,7 @@
           <a:p>
             <a:fld id="{476836E3-9835-4617-AC4B-A957FA70F9E1}" type="datetimeFigureOut">
               <a:rPr lang="en-US" smtClean="0"/>
-              <a:t>9/1/2022</a:t>
+              <a:t>9/3/2022</a:t>
             </a:fld>
             <a:endParaRPr lang="en-US"/>
           </a:p>
@@ -4428,8 +4429,8 @@
         </p:nvSpPr>
         <p:spPr>
           <a:xfrm>
-            <a:off x="6642653" y="1668567"/>
-            <a:ext cx="4697896" cy="5509200"/>
+            <a:off x="6632714" y="1797784"/>
+            <a:ext cx="4697896" cy="4647426"/>
           </a:xfrm>
           <a:prstGeom prst="rect">
             <a:avLst/>
@@ -4581,16 +4582,6 @@
               </a:rPr>
               <a:t>remotes/origin/main</a:t>
             </a:r>
-          </a:p>
-          <a:p>
-            <a:endParaRPr lang="en-US" sz="1800" dirty="0">
-              <a:latin typeface="Lucida Console" panose="020B0609040504020204" pitchFamily="49" charset="0"/>
-            </a:endParaRPr>
-          </a:p>
-          <a:p>
-            <a:endParaRPr lang="en-US" altLang="zh-CN" sz="2000" dirty="0"/>
-          </a:p>
-          <a:p>
             <a:r>
               <a:rPr lang="zh-CN" altLang="en-US" sz="2000" dirty="0"/>
               <a:t> </a:t>
@@ -4633,6 +4624,285 @@
     <p:extLst>
       <p:ext uri="{BB962C8B-B14F-4D97-AF65-F5344CB8AC3E}">
         <p14:creationId xmlns:p14="http://schemas.microsoft.com/office/powerpoint/2010/main" val="2447597207"/>
+      </p:ext>
+    </p:extLst>
+  </p:cSld>
+  <p:clrMapOvr>
+    <a:masterClrMapping/>
+  </p:clrMapOvr>
+</p:sld>
+</file>
+
+<file path=ppt/slides/slide7.xml><?xml version="1.0" encoding="utf-8"?>
+<p:sld xmlns:a="http://schemas.openxmlformats.org/drawingml/2006/main" xmlns:r="http://schemas.openxmlformats.org/officeDocument/2006/relationships" xmlns:p="http://schemas.openxmlformats.org/presentationml/2006/main">
+  <p:cSld>
+    <p:spTree>
+      <p:nvGrpSpPr>
+        <p:cNvPr id="1" name=""/>
+        <p:cNvGrpSpPr/>
+        <p:nvPr/>
+      </p:nvGrpSpPr>
+      <p:grpSpPr>
+        <a:xfrm>
+          <a:off x="0" y="0"/>
+          <a:ext cx="0" cy="0"/>
+          <a:chOff x="0" y="0"/>
+          <a:chExt cx="0" cy="0"/>
+        </a:xfrm>
+      </p:grpSpPr>
+      <p:sp>
+        <p:nvSpPr>
+          <p:cNvPr id="5" name="Title 4">
+            <a:extLst>
+              <a:ext uri="{FF2B5EF4-FFF2-40B4-BE49-F238E27FC236}">
+                <a16:creationId xmlns:a16="http://schemas.microsoft.com/office/drawing/2014/main" id="{23BCA549-5A5C-4DF5-F5A1-80628FB2E2AB}"/>
+              </a:ext>
+            </a:extLst>
+          </p:cNvPr>
+          <p:cNvSpPr>
+            <a:spLocks noGrp="1"/>
+          </p:cNvSpPr>
+          <p:nvPr>
+            <p:ph type="ctrTitle"/>
+          </p:nvPr>
+        </p:nvSpPr>
+        <p:spPr>
+          <a:xfrm>
+            <a:off x="0" y="0"/>
+            <a:ext cx="12029661" cy="1384995"/>
+          </a:xfrm>
+        </p:spPr>
+        <p:txBody>
+          <a:bodyPr>
+            <a:normAutofit/>
+          </a:bodyPr>
+          <a:lstStyle/>
+          <a:p>
+            <a:pPr algn="l"/>
+            <a:r>
+              <a:rPr lang="en-US" altLang="zh-CN" sz="4400" dirty="0"/>
+              <a:t>5. Now follow the follow steps to add our </a:t>
+            </a:r>
+            <a:r>
+              <a:rPr lang="en-US" altLang="zh-CN" sz="4400" dirty="0" err="1"/>
+              <a:t>pdm</a:t>
+            </a:r>
+            <a:r>
+              <a:rPr lang="en-US" altLang="zh-CN" sz="4400" dirty="0"/>
+              <a:t> repo</a:t>
+            </a:r>
+            <a:br>
+              <a:rPr lang="en-US" altLang="zh-CN" sz="4400" dirty="0"/>
+            </a:br>
+            <a:r>
+              <a:rPr lang="zh-CN" altLang="en-US" sz="4400" dirty="0"/>
+              <a:t>请执行以下步骤加入</a:t>
+            </a:r>
+            <a:r>
+              <a:rPr lang="en-US" altLang="zh-CN" sz="4400" dirty="0" err="1"/>
+              <a:t>pdm</a:t>
+            </a:r>
+            <a:r>
+              <a:rPr lang="en-US" altLang="zh-CN" sz="4400" dirty="0"/>
+              <a:t> </a:t>
+            </a:r>
+            <a:r>
+              <a:rPr lang="zh-CN" altLang="en-US" sz="4400" dirty="0"/>
+              <a:t>库：</a:t>
+            </a:r>
+            <a:endParaRPr lang="en-US" altLang="zh-CN" sz="4400" dirty="0"/>
+          </a:p>
+        </p:txBody>
+      </p:sp>
+      <p:sp>
+        <p:nvSpPr>
+          <p:cNvPr id="8" name="TextBox 7">
+            <a:extLst>
+              <a:ext uri="{FF2B5EF4-FFF2-40B4-BE49-F238E27FC236}">
+                <a16:creationId xmlns:a16="http://schemas.microsoft.com/office/drawing/2014/main" id="{12485AA6-B996-8CE1-C62D-BEE351D43F80}"/>
+              </a:ext>
+            </a:extLst>
+          </p:cNvPr>
+          <p:cNvSpPr txBox="1"/>
+          <p:nvPr/>
+        </p:nvSpPr>
+        <p:spPr>
+          <a:xfrm>
+            <a:off x="5337313" y="1469793"/>
+            <a:ext cx="6854687" cy="4401205"/>
+          </a:xfrm>
+          <a:prstGeom prst="rect">
+            <a:avLst/>
+          </a:prstGeom>
+          <a:noFill/>
+        </p:spPr>
+        <p:txBody>
+          <a:bodyPr wrap="square">
+            <a:spAutoFit/>
+          </a:bodyPr>
+          <a:lstStyle/>
+          <a:p>
+            <a:r>
+              <a:rPr lang="en-US" sz="2000" dirty="0"/>
+              <a:t>Our</a:t>
+            </a:r>
+            <a:r>
+              <a:rPr lang="zh-CN" altLang="en-US" sz="2000" dirty="0"/>
+              <a:t> </a:t>
+            </a:r>
+            <a:r>
+              <a:rPr lang="en-US" altLang="zh-CN" sz="2000" dirty="0"/>
+              <a:t>repo</a:t>
+            </a:r>
+            <a:r>
+              <a:rPr lang="zh-CN" altLang="en-US" sz="2000" dirty="0"/>
+              <a:t> </a:t>
+            </a:r>
+            <a:r>
+              <a:rPr lang="en-US" altLang="zh-CN" sz="2000" dirty="0"/>
+              <a:t>address</a:t>
+            </a:r>
+            <a:r>
+              <a:rPr lang="zh-CN" altLang="en-US" sz="2000" dirty="0"/>
+              <a:t> </a:t>
+            </a:r>
+            <a:r>
+              <a:rPr lang="en-US" altLang="zh-CN" sz="2000" dirty="0"/>
+              <a:t>is / </a:t>
+            </a:r>
+            <a:r>
+              <a:rPr lang="zh-CN" altLang="en-US" sz="2000" dirty="0"/>
+              <a:t>我们的源库地址：</a:t>
+            </a:r>
+            <a:endParaRPr lang="en-US" altLang="zh-CN" sz="2000" dirty="0"/>
+          </a:p>
+          <a:p>
+            <a:r>
+              <a:rPr lang="en-US" altLang="zh-CN" sz="2000" dirty="0">
+                <a:hlinkClick r:id="rId2"/>
+              </a:rPr>
+              <a:t>https://github.com/stemproaca/pdm</a:t>
+            </a:r>
+            <a:endParaRPr lang="en-US" altLang="zh-CN" sz="2000" dirty="0"/>
+          </a:p>
+          <a:p>
+            <a:endParaRPr lang="en-US" altLang="zh-CN" sz="2000" dirty="0"/>
+          </a:p>
+          <a:p>
+            <a:r>
+              <a:rPr lang="zh-CN" altLang="en-US" sz="2000" dirty="0"/>
+              <a:t>左图的指令：</a:t>
+            </a:r>
+            <a:endParaRPr lang="en-US" altLang="zh-CN" sz="2000" dirty="0"/>
+          </a:p>
+          <a:p>
+            <a:r>
+              <a:rPr lang="zh-CN" altLang="en-US" sz="2000" dirty="0"/>
+              <a:t>请按以下顺序执行：</a:t>
+            </a:r>
+            <a:endParaRPr lang="en-US" altLang="zh-CN" sz="2000" dirty="0"/>
+          </a:p>
+          <a:p>
+            <a:endParaRPr lang="en-US" altLang="zh-CN" sz="2000" dirty="0"/>
+          </a:p>
+          <a:p>
+            <a:r>
+              <a:rPr lang="en-US" sz="2000" dirty="0"/>
+              <a:t>cd /c</a:t>
+            </a:r>
+          </a:p>
+          <a:p>
+            <a:r>
+              <a:rPr lang="en-US" sz="2000" dirty="0"/>
+              <a:t>cd </a:t>
+            </a:r>
+            <a:r>
+              <a:rPr lang="en-US" sz="2000" dirty="0" err="1"/>
+              <a:t>pdm</a:t>
+            </a:r>
+            <a:endParaRPr lang="en-US" sz="2000" dirty="0"/>
+          </a:p>
+          <a:p>
+            <a:r>
+              <a:rPr lang="en-US" sz="2000" dirty="0"/>
+              <a:t>git </a:t>
+            </a:r>
+            <a:r>
+              <a:rPr lang="en-US" sz="2000" dirty="0" err="1"/>
+              <a:t>init</a:t>
+            </a:r>
+            <a:endParaRPr lang="en-US" sz="2000" dirty="0"/>
+          </a:p>
+          <a:p>
+            <a:r>
+              <a:rPr lang="en-US" sz="2000" dirty="0"/>
+              <a:t>git remote –v</a:t>
+            </a:r>
+          </a:p>
+          <a:p>
+            <a:r>
+              <a:rPr lang="en-US" sz="2000" dirty="0"/>
+              <a:t>git remote add origin </a:t>
+            </a:r>
+            <a:r>
+              <a:rPr lang="en-US" sz="2000" dirty="0">
+                <a:hlinkClick r:id="rId2"/>
+              </a:rPr>
+              <a:t>https://github.com/stemproaca/pdm</a:t>
+            </a:r>
+            <a:endParaRPr lang="en-US" sz="2000" dirty="0"/>
+          </a:p>
+          <a:p>
+            <a:r>
+              <a:rPr lang="en-US" sz="2000" dirty="0"/>
+              <a:t>git remote –v</a:t>
+            </a:r>
+          </a:p>
+          <a:p>
+            <a:r>
+              <a:rPr lang="en-US" sz="2000" dirty="0"/>
+              <a:t>git pull –a</a:t>
+            </a:r>
+          </a:p>
+          <a:p>
+            <a:endParaRPr lang="en-US" sz="2000" dirty="0"/>
+          </a:p>
+        </p:txBody>
+      </p:sp>
+      <p:pic>
+        <p:nvPicPr>
+          <p:cNvPr id="10" name="Picture 9">
+            <a:extLst>
+              <a:ext uri="{FF2B5EF4-FFF2-40B4-BE49-F238E27FC236}">
+                <a16:creationId xmlns:a16="http://schemas.microsoft.com/office/drawing/2014/main" id="{88A22273-3FC2-152C-4808-CC8246C23D27}"/>
+              </a:ext>
+            </a:extLst>
+          </p:cNvPr>
+          <p:cNvPicPr>
+            <a:picLocks noChangeAspect="1"/>
+          </p:cNvPicPr>
+          <p:nvPr/>
+        </p:nvPicPr>
+        <p:blipFill>
+          <a:blip r:embed="rId3"/>
+          <a:stretch>
+            <a:fillRect/>
+          </a:stretch>
+        </p:blipFill>
+        <p:spPr>
+          <a:xfrm>
+            <a:off x="339821" y="1304881"/>
+            <a:ext cx="4544194" cy="5553119"/>
+          </a:xfrm>
+          <a:prstGeom prst="rect">
+            <a:avLst/>
+          </a:prstGeom>
+        </p:spPr>
+      </p:pic>
+    </p:spTree>
+    <p:extLst>
+      <p:ext uri="{BB962C8B-B14F-4D97-AF65-F5344CB8AC3E}">
+        <p14:creationId xmlns:p14="http://schemas.microsoft.com/office/powerpoint/2010/main" val="3095089261"/>
       </p:ext>
     </p:extLst>
   </p:cSld>
